--- a/building-ai-applications/ready/04__FunctionsToolAgentsLangchain.pptx
+++ b/building-ai-applications/ready/04__FunctionsToolAgentsLangchain.pptx
@@ -40,23 +40,23 @@
     <p:sldId id="282" r:id="rId28"/>
     <p:sldId id="283" r:id="rId29"/>
     <p:sldId id="284" r:id="rId30"/>
-    <p:sldId id="286" r:id="rId31"/>
-    <p:sldId id="287" r:id="rId32"/>
-    <p:sldId id="288" r:id="rId33"/>
-    <p:sldId id="289" r:id="rId34"/>
-    <p:sldId id="290" r:id="rId35"/>
-    <p:sldId id="291" r:id="rId36"/>
-    <p:sldId id="292" r:id="rId37"/>
-    <p:sldId id="293" r:id="rId38"/>
-    <p:sldId id="294" r:id="rId39"/>
-    <p:sldId id="295" r:id="rId40"/>
-    <p:sldId id="296" r:id="rId41"/>
-    <p:sldId id="297" r:id="rId42"/>
-    <p:sldId id="298" r:id="rId43"/>
-    <p:sldId id="299" r:id="rId44"/>
-    <p:sldId id="300" r:id="rId45"/>
-    <p:sldId id="301" r:id="rId46"/>
-    <p:sldId id="302" r:id="rId47"/>
+    <p:sldId id="285" r:id="rId31"/>
+    <p:sldId id="286" r:id="rId32"/>
+    <p:sldId id="287" r:id="rId33"/>
+    <p:sldId id="288" r:id="rId34"/>
+    <p:sldId id="289" r:id="rId35"/>
+    <p:sldId id="290" r:id="rId36"/>
+    <p:sldId id="291" r:id="rId37"/>
+    <p:sldId id="292" r:id="rId38"/>
+    <p:sldId id="293" r:id="rId39"/>
+    <p:sldId id="294" r:id="rId40"/>
+    <p:sldId id="295" r:id="rId41"/>
+    <p:sldId id="296" r:id="rId42"/>
+    <p:sldId id="297" r:id="rId43"/>
+    <p:sldId id="298" r:id="rId44"/>
+    <p:sldId id="299" r:id="rId45"/>
+    <p:sldId id="300" r:id="rId46"/>
+    <p:sldId id="301" r:id="rId47"/>
   </p:sldIdLst>
   <p:sldSz cx="9372600" cy="8297863"/>
   <p:notesSz cx="7315200" cy="9601200"/>
@@ -2860,26 +2860,17 @@
           <a:lstStyle/>
           <a:p>
             <a:r>
-              <a:rPr dirty="0"/>
               <a:t> Import necessary libraries:</a:t>
             </a:r>
-            <a:endParaRPr lang="en-US" dirty="0"/>
-          </a:p>
-          <a:p>
-            <a:endParaRPr lang="en-US" dirty="0"/>
-          </a:p>
-          <a:p>
-            <a:endParaRPr dirty="0"/>
-          </a:p>
-          <a:p>
-            <a:pPr marL="0" indent="0">
-              <a:buNone/>
-            </a:pPr>
-            <a:endParaRPr dirty="0"/>
-          </a:p>
-          <a:p>
-            <a:r>
-              <a:rPr dirty="0"/>
+          </a:p>
+          <a:p>
+            <a:endParaRPr/>
+          </a:p>
+          <a:p>
+            <a:endParaRPr/>
+          </a:p>
+          <a:p>
+            <a:r>
               <a:t> Ensure your environment is configured with all dependencies.</a:t>
             </a:r>
           </a:p>
@@ -2934,8 +2925,8 @@
         </p:blipFill>
         <p:spPr>
           <a:xfrm>
-            <a:off x="704088" y="1558131"/>
-            <a:ext cx="7868412" cy="973412"/>
+            <a:off x="0" y="1353312"/>
+            <a:ext cx="9855200" cy="1320800"/>
           </a:xfrm>
           <a:prstGeom prst="rect">
             <a:avLst/>
@@ -3064,8 +3055,8 @@
         </p:blipFill>
         <p:spPr>
           <a:xfrm>
-            <a:off x="704088" y="1558131"/>
-            <a:ext cx="7721600" cy="1460500"/>
+            <a:off x="0" y="1353312"/>
+            <a:ext cx="7721600" cy="1587500"/>
           </a:xfrm>
           <a:prstGeom prst="rect">
             <a:avLst/>
@@ -3503,49 +3494,31 @@
           <a:lstStyle/>
           <a:p>
             <a:r>
-              <a:rPr dirty="0"/>
               <a:t> Import required libraries:</a:t>
             </a:r>
-            <a:endParaRPr lang="en-US" dirty="0"/>
-          </a:p>
-          <a:p>
-            <a:endParaRPr lang="en-US" dirty="0"/>
-          </a:p>
-          <a:p>
-            <a:endParaRPr dirty="0"/>
-          </a:p>
-          <a:p>
-            <a:endParaRPr dirty="0"/>
-          </a:p>
-          <a:p>
-            <a:pPr marL="0" indent="0">
-              <a:buNone/>
-            </a:pPr>
-            <a:endParaRPr dirty="0"/>
-          </a:p>
-          <a:p>
-            <a:r>
-              <a:rPr b="1" dirty="0"/>
+          </a:p>
+          <a:p>
+            <a:endParaRPr/>
+          </a:p>
+          <a:p>
+            <a:endParaRPr/>
+          </a:p>
+          <a:p>
+            <a:endParaRPr/>
+          </a:p>
+          <a:p>
+            <a:r>
+              <a:rPr b="1"/>
               <a:t> What this does</a:t>
             </a:r>
             <a:r>
-              <a:rPr dirty="0"/>
               <a:t> :</a:t>
             </a:r>
           </a:p>
           <a:p>
             <a:pPr lvl="1"/>
             <a:r>
-              <a:rPr dirty="0"/>
-              <a:t> Ensures secure configuration for OpenAI and </a:t>
-            </a:r>
-            <a:r>
-              <a:rPr dirty="0" err="1"/>
-              <a:t>LangChain</a:t>
-            </a:r>
-            <a:r>
-              <a:rPr dirty="0"/>
-              <a:t> integration by loading API keys and environment variables.</a:t>
+              <a:t> Ensures secure configuration for OpenAI and LangChain integration by loading API keys and environment variables.</a:t>
             </a:r>
           </a:p>
         </p:txBody>
@@ -3599,8 +3572,8 @@
         </p:blipFill>
         <p:spPr>
           <a:xfrm>
-            <a:off x="704088" y="1558131"/>
-            <a:ext cx="7710311" cy="1519385"/>
+            <a:off x="0" y="1353312"/>
+            <a:ext cx="8636000" cy="1854200"/>
           </a:xfrm>
           <a:prstGeom prst="rect">
             <a:avLst/>
@@ -3669,57 +3642,31 @@
           <a:lstStyle/>
           <a:p>
             <a:r>
-              <a:rPr dirty="0"/>
-              <a:t> Initialize the OpenAI model with </a:t>
-            </a:r>
-            <a:r>
-              <a:rPr dirty="0" err="1"/>
-              <a:t>LangChain</a:t>
-            </a:r>
-            <a:r>
-              <a:rPr dirty="0"/>
-              <a:t>:</a:t>
-            </a:r>
-            <a:endParaRPr lang="en-US" dirty="0"/>
-          </a:p>
-          <a:p>
-            <a:endParaRPr lang="en-US" dirty="0"/>
-          </a:p>
-          <a:p>
-            <a:endParaRPr dirty="0"/>
-          </a:p>
-          <a:p>
-            <a:endParaRPr dirty="0"/>
-          </a:p>
-          <a:p>
-            <a:pPr marL="0" indent="0">
-              <a:buNone/>
-            </a:pPr>
-            <a:endParaRPr dirty="0"/>
-          </a:p>
-          <a:p>
-            <a:r>
-              <a:rPr b="1" dirty="0"/>
+              <a:t> Initialize the OpenAI model with LangChain:</a:t>
+            </a:r>
+          </a:p>
+          <a:p>
+            <a:endParaRPr/>
+          </a:p>
+          <a:p>
+            <a:endParaRPr/>
+          </a:p>
+          <a:p>
+            <a:endParaRPr/>
+          </a:p>
+          <a:p>
+            <a:r>
+              <a:rPr b="1"/>
               <a:t> Key insight</a:t>
             </a:r>
             <a:r>
-              <a:rPr dirty="0"/>
               <a:t> :</a:t>
             </a:r>
           </a:p>
           <a:p>
             <a:pPr lvl="1"/>
             <a:r>
-              <a:rPr dirty="0"/>
-              <a:t> Establishing this connection allows </a:t>
-            </a:r>
-            <a:r>
-              <a:rPr dirty="0" err="1"/>
-              <a:t>LangChain</a:t>
-            </a:r>
-            <a:r>
-              <a:rPr dirty="0"/>
-              <a:t> to leverage OpenAI’s capabilities for building conversational AI agents and automation workflows.</a:t>
+              <a:t> Establishing this connection allows LangChain to leverage OpenAI’s capabilities for building conversational AI agents and automation workflows.</a:t>
             </a:r>
           </a:p>
         </p:txBody>
@@ -3773,8 +3720,8 @@
         </p:blipFill>
         <p:spPr>
           <a:xfrm>
-            <a:off x="708321" y="1634331"/>
-            <a:ext cx="7940379" cy="1486049"/>
+            <a:off x="0" y="1353312"/>
+            <a:ext cx="9093200" cy="1854200"/>
           </a:xfrm>
           <a:prstGeom prst="rect">
             <a:avLst/>
@@ -3961,51 +3908,33 @@
           <a:lstStyle/>
           <a:p>
             <a:r>
-              <a:rPr dirty="0"/>
-              <a:t> Define a function schema in </a:t>
-            </a:r>
-            <a:r>
-              <a:rPr dirty="0" err="1"/>
-              <a:t>LangChain</a:t>
-            </a:r>
-            <a:r>
-              <a:rPr dirty="0"/>
-              <a:t> for OpenAI:</a:t>
-            </a:r>
-            <a:endParaRPr lang="en-US" dirty="0"/>
-          </a:p>
-          <a:p>
-            <a:endParaRPr lang="en-US" dirty="0"/>
-          </a:p>
-          <a:p>
-            <a:endParaRPr dirty="0"/>
-          </a:p>
-          <a:p>
-            <a:endParaRPr dirty="0"/>
-          </a:p>
-          <a:p>
-            <a:endParaRPr dirty="0"/>
-          </a:p>
-          <a:p>
-            <a:pPr marL="0" indent="0">
-              <a:buNone/>
-            </a:pPr>
-            <a:endParaRPr dirty="0"/>
-          </a:p>
-          <a:p>
-            <a:r>
-              <a:rPr b="1" dirty="0"/>
+              <a:t> Define a function schema in LangChain for OpenAI:</a:t>
+            </a:r>
+          </a:p>
+          <a:p>
+            <a:endParaRPr/>
+          </a:p>
+          <a:p>
+            <a:endParaRPr/>
+          </a:p>
+          <a:p>
+            <a:endParaRPr/>
+          </a:p>
+          <a:p>
+            <a:endParaRPr/>
+          </a:p>
+          <a:p>
+            <a:r>
+              <a:rPr b="1"/>
               <a:t> Why this is important</a:t>
             </a:r>
             <a:r>
-              <a:rPr dirty="0"/>
               <a:t> :</a:t>
             </a:r>
           </a:p>
           <a:p>
             <a:pPr lvl="1"/>
             <a:r>
-              <a:rPr dirty="0"/>
               <a:t> Defining function schemas ensures that OpenAI can correctly interpret and execute tasks according to your specifications.</a:t>
             </a:r>
           </a:p>
@@ -4060,8 +3989,8 @@
         </p:blipFill>
         <p:spPr>
           <a:xfrm>
-            <a:off x="704088" y="1634332"/>
-            <a:ext cx="7868412" cy="1732564"/>
+            <a:off x="0" y="1353312"/>
+            <a:ext cx="8915400" cy="2151698"/>
           </a:xfrm>
           <a:prstGeom prst="rect">
             <a:avLst/>
@@ -4130,43 +4059,28 @@
           <a:lstStyle/>
           <a:p>
             <a:r>
-              <a:rPr dirty="0"/>
               <a:t> Example of a user message:</a:t>
             </a:r>
-            <a:endParaRPr lang="en-US" dirty="0"/>
-          </a:p>
-          <a:p>
-            <a:endParaRPr dirty="0"/>
-          </a:p>
-          <a:p>
-            <a:pPr marL="0" indent="0">
-              <a:buNone/>
-            </a:pPr>
-            <a:endParaRPr dirty="0"/>
-          </a:p>
-          <a:p>
-            <a:r>
-              <a:rPr b="1" dirty="0"/>
+          </a:p>
+          <a:p>
+            <a:endParaRPr/>
+          </a:p>
+          <a:p>
+            <a:endParaRPr/>
+          </a:p>
+          <a:p>
+            <a:r>
+              <a:rPr b="1"/>
               <a:t> What happens here</a:t>
             </a:r>
             <a:r>
-              <a:rPr dirty="0"/>
               <a:t> :</a:t>
             </a:r>
           </a:p>
           <a:p>
             <a:pPr lvl="1"/>
             <a:r>
-              <a:rPr dirty="0"/>
-              <a:t> The user’s input is structured into a message object that </a:t>
-            </a:r>
-            <a:r>
-              <a:rPr dirty="0" err="1"/>
-              <a:t>LangChain</a:t>
-            </a:r>
-            <a:r>
-              <a:rPr dirty="0"/>
-              <a:t> can process and pass to OpenAI for further action.</a:t>
+              <a:t> The user’s input is structured into a message object that LangChain can process and pass to OpenAI for further action.</a:t>
             </a:r>
           </a:p>
         </p:txBody>
@@ -4220,8 +4134,8 @@
         </p:blipFill>
         <p:spPr>
           <a:xfrm>
-            <a:off x="704088" y="1558131"/>
-            <a:ext cx="8173212" cy="526202"/>
+            <a:off x="0" y="1353312"/>
+            <a:ext cx="8915400" cy="618711"/>
           </a:xfrm>
           <a:prstGeom prst="rect">
             <a:avLst/>
@@ -4290,31 +4204,24 @@
           <a:lstStyle/>
           <a:p>
             <a:r>
-              <a:rPr dirty="0"/>
               <a:t> Execute the function call and handle the response:</a:t>
             </a:r>
-            <a:endParaRPr lang="en-US" dirty="0"/>
-          </a:p>
-          <a:p>
-            <a:endParaRPr dirty="0"/>
-          </a:p>
-          <a:p>
-            <a:endParaRPr dirty="0"/>
-          </a:p>
-          <a:p>
-            <a:r>
-              <a:rPr b="1" dirty="0"/>
+          </a:p>
+          <a:p>
+            <a:endParaRPr/>
+          </a:p>
+          <a:p>
+            <a:r>
+              <a:rPr b="1"/>
               <a:t> Understanding the response</a:t>
             </a:r>
             <a:r>
-              <a:rPr dirty="0"/>
               <a:t> :</a:t>
             </a:r>
           </a:p>
           <a:p>
             <a:pPr lvl="1"/>
             <a:r>
-              <a:rPr dirty="0"/>
               <a:t> The output includes both the user’s original message and the response generated by the function, providing a complete interaction log.</a:t>
             </a:r>
           </a:p>
@@ -4369,8 +4276,8 @@
         </p:blipFill>
         <p:spPr>
           <a:xfrm>
-            <a:off x="704088" y="1558131"/>
-            <a:ext cx="8433562" cy="694811"/>
+            <a:off x="0" y="1353312"/>
+            <a:ext cx="8940800" cy="787400"/>
           </a:xfrm>
           <a:prstGeom prst="rect">
             <a:avLst/>
@@ -4414,9 +4321,7 @@
         </p:nvSpPr>
         <p:spPr/>
         <p:txBody>
-          <a:bodyPr>
-            <a:normAutofit fontScale="90000"/>
-          </a:bodyPr>
+          <a:bodyPr/>
           <a:lstStyle/>
           <a:p>
             <a:r>
@@ -4441,69 +4346,43 @@
           <a:lstStyle/>
           <a:p>
             <a:r>
-              <a:rPr dirty="0"/>
-              <a:t> Example: Integrate a weather function using </a:t>
-            </a:r>
-            <a:r>
-              <a:rPr dirty="0" err="1"/>
-              <a:t>LangChain</a:t>
-            </a:r>
-            <a:r>
-              <a:rPr dirty="0"/>
-              <a:t>:</a:t>
-            </a:r>
-            <a:endParaRPr lang="en-US" dirty="0"/>
-          </a:p>
-          <a:p>
-            <a:endParaRPr dirty="0"/>
-          </a:p>
-          <a:p>
-            <a:endParaRPr dirty="0"/>
-          </a:p>
-          <a:p>
-            <a:endParaRPr dirty="0"/>
-          </a:p>
-          <a:p>
-            <a:endParaRPr dirty="0"/>
-          </a:p>
-          <a:p>
-            <a:endParaRPr dirty="0"/>
-          </a:p>
-          <a:p>
-            <a:endParaRPr dirty="0"/>
-          </a:p>
-          <a:p>
-            <a:endParaRPr lang="en-US" dirty="0"/>
-          </a:p>
-          <a:p>
-            <a:pPr marL="0" indent="0">
-              <a:buNone/>
-            </a:pPr>
-            <a:endParaRPr dirty="0"/>
-          </a:p>
-          <a:p>
-            <a:r>
-              <a:rPr b="1" dirty="0"/>
+              <a:t> Example: Integrate a weather function using LangChain:</a:t>
+            </a:r>
+          </a:p>
+          <a:p>
+            <a:endParaRPr/>
+          </a:p>
+          <a:p>
+            <a:endParaRPr/>
+          </a:p>
+          <a:p>
+            <a:endParaRPr/>
+          </a:p>
+          <a:p>
+            <a:endParaRPr/>
+          </a:p>
+          <a:p>
+            <a:endParaRPr/>
+          </a:p>
+          <a:p>
+            <a:endParaRPr/>
+          </a:p>
+          <a:p>
+            <a:endParaRPr/>
+          </a:p>
+          <a:p>
+            <a:r>
+              <a:rPr b="1"/>
               <a:t> Key takeaway</a:t>
             </a:r>
             <a:r>
-              <a:rPr dirty="0"/>
               <a:t> :</a:t>
             </a:r>
           </a:p>
           <a:p>
             <a:pPr lvl="1"/>
             <a:r>
-              <a:rPr dirty="0"/>
-              <a:t> This example demonstrates how to integrate external logic (e.g., weather data) into </a:t>
-            </a:r>
-            <a:r>
-              <a:rPr dirty="0" err="1"/>
-              <a:t>LangChain</a:t>
-            </a:r>
-            <a:r>
-              <a:rPr dirty="0"/>
-              <a:t> workflows using OpenAI’s function calling.</a:t>
+              <a:t> This example demonstrates how to integrate external logic (e.g., weather data) into LangChain workflows using OpenAI’s function calling.</a:t>
             </a:r>
           </a:p>
         </p:txBody>
@@ -4557,8 +4436,8 @@
         </p:blipFill>
         <p:spPr>
           <a:xfrm>
-            <a:off x="704088" y="1634332"/>
-            <a:ext cx="8299199" cy="2971800"/>
+            <a:off x="0" y="1353312"/>
+            <a:ext cx="8915400" cy="3510858"/>
           </a:xfrm>
           <a:prstGeom prst="rect">
             <a:avLst/>
@@ -4627,34 +4506,27 @@
           <a:lstStyle/>
           <a:p>
             <a:r>
-              <a:rPr dirty="0"/>
               <a:t> Log function calls for debugging and transparency:</a:t>
             </a:r>
-            <a:endParaRPr lang="en-US" dirty="0"/>
-          </a:p>
-          <a:p>
-            <a:endParaRPr dirty="0"/>
-          </a:p>
-          <a:p>
-            <a:endParaRPr dirty="0"/>
-          </a:p>
-          <a:p>
-            <a:endParaRPr dirty="0"/>
-          </a:p>
-          <a:p>
-            <a:r>
-              <a:rPr b="1" dirty="0"/>
+          </a:p>
+          <a:p>
+            <a:endParaRPr/>
+          </a:p>
+          <a:p>
+            <a:endParaRPr/>
+          </a:p>
+          <a:p>
+            <a:r>
+              <a:rPr b="1"/>
               <a:t> Why this matters</a:t>
             </a:r>
             <a:r>
-              <a:rPr dirty="0"/>
               <a:t> :</a:t>
             </a:r>
           </a:p>
           <a:p>
             <a:pPr lvl="1"/>
             <a:r>
-              <a:rPr dirty="0"/>
               <a:t> Debugging ensures that your workflows are functioning as expected and helps identify any issues in function invocation.</a:t>
             </a:r>
           </a:p>
@@ -4709,8 +4581,8 @@
         </p:blipFill>
         <p:spPr>
           <a:xfrm>
-            <a:off x="704088" y="1634331"/>
-            <a:ext cx="8249412" cy="759814"/>
+            <a:off x="0" y="1353312"/>
+            <a:ext cx="10617200" cy="1054100"/>
           </a:xfrm>
           <a:prstGeom prst="rect">
             <a:avLst/>
@@ -5188,37 +5060,30 @@
           <a:lstStyle/>
           <a:p>
             <a:r>
-              <a:rPr dirty="0"/>
               <a:t> Import necessary libraries:</a:t>
             </a:r>
-            <a:endParaRPr lang="en-US" dirty="0"/>
-          </a:p>
-          <a:p>
-            <a:endParaRPr dirty="0"/>
-          </a:p>
-          <a:p>
-            <a:endParaRPr dirty="0"/>
-          </a:p>
-          <a:p>
-            <a:endParaRPr dirty="0"/>
-          </a:p>
-          <a:p>
-            <a:endParaRPr dirty="0"/>
-          </a:p>
-          <a:p>
-            <a:r>
-              <a:rPr b="1" dirty="0"/>
+          </a:p>
+          <a:p>
+            <a:endParaRPr/>
+          </a:p>
+          <a:p>
+            <a:endParaRPr/>
+          </a:p>
+          <a:p>
+            <a:endParaRPr/>
+          </a:p>
+          <a:p>
+            <a:r>
+              <a:rPr b="1"/>
               <a:t> What this does</a:t>
             </a:r>
             <a:r>
-              <a:rPr dirty="0"/>
               <a:t> :</a:t>
             </a:r>
           </a:p>
           <a:p>
             <a:pPr lvl="1"/>
             <a:r>
-              <a:rPr dirty="0"/>
               <a:t> Ensures secure and seamless configuration for accessing OpenAI’s API.</a:t>
             </a:r>
           </a:p>
@@ -5273,8 +5138,8 @@
         </p:blipFill>
         <p:spPr>
           <a:xfrm>
-            <a:off x="704088" y="1481931"/>
-            <a:ext cx="7416800" cy="1701800"/>
+            <a:off x="0" y="1353312"/>
+            <a:ext cx="7416800" cy="1854200"/>
           </a:xfrm>
           <a:prstGeom prst="rect">
             <a:avLst/>
@@ -5409,8 +5274,8 @@
         </p:blipFill>
         <p:spPr>
           <a:xfrm>
-            <a:off x="704088" y="1558131"/>
-            <a:ext cx="8305462" cy="1828799"/>
+            <a:off x="0" y="1353312"/>
+            <a:ext cx="8915400" cy="2151698"/>
           </a:xfrm>
           <a:prstGeom prst="rect">
             <a:avLst/>
@@ -5613,72 +5478,50 @@
           <a:lstStyle/>
           <a:p>
             <a:r>
-              <a:rPr lang="en-US" dirty="0"/>
               <a:t> Provide input for tagging:</a:t>
             </a:r>
           </a:p>
           <a:p>
-            <a:pPr marL="0" indent="0">
-              <a:buNone/>
-            </a:pPr>
-            <a:r>
-              <a:rPr dirty="0"/>
-              <a:t> </a:t>
-            </a:r>
-            <a:endParaRPr lang="en-US" dirty="0"/>
-          </a:p>
-          <a:p>
-            <a:pPr marL="0" indent="0">
-              <a:buNone/>
-            </a:pPr>
-            <a:endParaRPr lang="en-US" dirty="0"/>
-          </a:p>
-          <a:p>
-            <a:r>
-              <a:rPr dirty="0"/>
-              <a:t>Use OpenAI to call the tagging function:</a:t>
-            </a:r>
-            <a:endParaRPr lang="en-US" dirty="0"/>
-          </a:p>
-          <a:p>
-            <a:endParaRPr lang="en-US" dirty="0"/>
-          </a:p>
-          <a:p>
-            <a:endParaRPr dirty="0"/>
-          </a:p>
-          <a:p>
-            <a:endParaRPr dirty="0"/>
-          </a:p>
-          <a:p>
-            <a:endParaRPr dirty="0"/>
-          </a:p>
-          <a:p>
-            <a:endParaRPr dirty="0"/>
-          </a:p>
-          <a:p>
-            <a:r>
-              <a:rPr b="1" dirty="0"/>
+            <a:endParaRPr/>
+          </a:p>
+          <a:p>
+            <a:endParaRPr/>
+          </a:p>
+          <a:p>
+            <a:r>
+              <a:t> Use OpenAI to call the tagging function:</a:t>
+            </a:r>
+          </a:p>
+          <a:p>
+            <a:endParaRPr/>
+          </a:p>
+          <a:p>
+            <a:endParaRPr/>
+          </a:p>
+          <a:p>
+            <a:endParaRPr/>
+          </a:p>
+          <a:p>
+            <a:r>
+              <a:rPr b="1"/>
               <a:t> Expected output</a:t>
             </a:r>
             <a:r>
-              <a:rPr dirty="0"/>
               <a:t> :</a:t>
             </a:r>
           </a:p>
           <a:p>
             <a:pPr lvl="1"/>
             <a:r>
-              <a:rPr dirty="0"/>
               <a:t> Extracted tags such as</a:t>
             </a:r>
             <a:r>
-              <a:rPr dirty="0">
+              <a:rPr>
                 <a:latin typeface="Courier New"/>
               </a:rPr>
               <a:t> ["AI", "automation"]</a:t>
             </a:r>
             <a:r>
-              <a:rPr dirty="0"/>
               <a:t> .</a:t>
             </a:r>
           </a:p>
@@ -5733,8 +5576,8 @@
         </p:blipFill>
         <p:spPr>
           <a:xfrm>
-            <a:off x="704088" y="2929731"/>
-            <a:ext cx="6807200" cy="1701800"/>
+            <a:off x="0" y="1353312"/>
+            <a:ext cx="8915400" cy="552223"/>
           </a:xfrm>
           <a:prstGeom prst="rect">
             <a:avLst/>
@@ -5743,13 +5586,7 @@
       </p:pic>
       <p:pic>
         <p:nvPicPr>
-          <p:cNvPr id="6" name="Picture 5" descr="1.png">
-            <a:extLst>
-              <a:ext uri="{FF2B5EF4-FFF2-40B4-BE49-F238E27FC236}">
-                <a16:creationId xmlns:a16="http://schemas.microsoft.com/office/drawing/2014/main" id="{181201A2-E601-6F11-21C2-6E31D1F62D78}"/>
-              </a:ext>
-            </a:extLst>
-          </p:cNvPr>
+          <p:cNvPr id="6" name="Picture 5" descr="1.png"/>
           <p:cNvPicPr>
             <a:picLocks noChangeAspect="1"/>
           </p:cNvPicPr>
@@ -5763,8 +5600,8 @@
         </p:blipFill>
         <p:spPr>
           <a:xfrm>
-            <a:off x="704088" y="1634332"/>
-            <a:ext cx="8325612" cy="478412"/>
+            <a:off x="0" y="2670048"/>
+            <a:ext cx="6807200" cy="1854200"/>
           </a:xfrm>
           <a:prstGeom prst="rect">
             <a:avLst/>
@@ -5833,48 +5670,48 @@
           <a:lstStyle/>
           <a:p>
             <a:r>
-              <a:rPr dirty="0"/>
               <a:t> Example: Create a schema for extracting structured data:</a:t>
             </a:r>
           </a:p>
           <a:p>
-            <a:endParaRPr dirty="0"/>
-          </a:p>
-          <a:p>
-            <a:endParaRPr dirty="0"/>
-          </a:p>
-          <a:p>
-            <a:endParaRPr dirty="0"/>
-          </a:p>
-          <a:p>
-            <a:endParaRPr dirty="0"/>
-          </a:p>
-          <a:p>
-            <a:endParaRPr dirty="0"/>
-          </a:p>
-          <a:p>
-            <a:endParaRPr dirty="0"/>
-          </a:p>
-          <a:p>
-            <a:pPr marL="0" indent="0">
-              <a:buNone/>
-            </a:pPr>
-            <a:endParaRPr dirty="0"/>
-          </a:p>
-          <a:p>
-            <a:r>
-              <a:rPr b="1" dirty="0"/>
+            <a:endParaRPr/>
+          </a:p>
+          <a:p>
+            <a:endParaRPr/>
+          </a:p>
+          <a:p>
+            <a:endParaRPr/>
+          </a:p>
+          <a:p>
+            <a:endParaRPr/>
+          </a:p>
+          <a:p>
+            <a:endParaRPr/>
+          </a:p>
+          <a:p>
+            <a:endParaRPr/>
+          </a:p>
+          <a:p>
+            <a:endParaRPr/>
+          </a:p>
+          <a:p>
+            <a:endParaRPr/>
+          </a:p>
+          <a:p>
+            <a:endParaRPr/>
+          </a:p>
+          <a:p>
+            <a:r>
+              <a:rPr b="1"/>
               <a:t> Why this matters</a:t>
             </a:r>
             <a:r>
-              <a:rPr dirty="0"/>
               <a:t> :</a:t>
             </a:r>
           </a:p>
           <a:p>
             <a:pPr lvl="1"/>
             <a:r>
-              <a:rPr dirty="0"/>
               <a:t> Enables precise and automated extraction of structured data from natural language inputs.</a:t>
             </a:r>
           </a:p>
@@ -5929,8 +5766,8 @@
         </p:blipFill>
         <p:spPr>
           <a:xfrm>
-            <a:off x="704088" y="1569650"/>
-            <a:ext cx="8249412" cy="2665444"/>
+            <a:off x="0" y="1792224"/>
+            <a:ext cx="8915400" cy="3171601"/>
           </a:xfrm>
           <a:prstGeom prst="rect">
             <a:avLst/>
@@ -5999,34 +5836,27 @@
           <a:lstStyle/>
           <a:p>
             <a:r>
-              <a:rPr dirty="0"/>
               <a:t> Log and validate function outputs for correctness:</a:t>
             </a:r>
-            <a:endParaRPr lang="en-US" dirty="0"/>
-          </a:p>
-          <a:p>
-            <a:endParaRPr dirty="0"/>
-          </a:p>
-          <a:p>
-            <a:endParaRPr dirty="0"/>
-          </a:p>
-          <a:p>
-            <a:endParaRPr dirty="0"/>
-          </a:p>
-          <a:p>
-            <a:r>
-              <a:rPr b="1" dirty="0"/>
+          </a:p>
+          <a:p>
+            <a:endParaRPr/>
+          </a:p>
+          <a:p>
+            <a:endParaRPr/>
+          </a:p>
+          <a:p>
+            <a:r>
+              <a:rPr b="1"/>
               <a:t> Key insight</a:t>
             </a:r>
             <a:r>
-              <a:rPr dirty="0"/>
               <a:t> :</a:t>
             </a:r>
           </a:p>
           <a:p>
             <a:pPr lvl="1"/>
             <a:r>
-              <a:rPr dirty="0"/>
               <a:t> Validation ensures that the extracted data meets the expected criteria, reducing errors in automated workflows.</a:t>
             </a:r>
           </a:p>
@@ -6081,8 +5911,8 @@
         </p:blipFill>
         <p:spPr>
           <a:xfrm>
-            <a:off x="704088" y="1710531"/>
-            <a:ext cx="8433562" cy="776775"/>
+            <a:off x="0" y="1353312"/>
+            <a:ext cx="10617200" cy="1054100"/>
           </a:xfrm>
           <a:prstGeom prst="rect">
             <a:avLst/>
@@ -6458,8 +6288,8 @@
         </p:blipFill>
         <p:spPr>
           <a:xfrm>
-            <a:off x="704088" y="1569760"/>
-            <a:ext cx="6959600" cy="1943100"/>
+            <a:off x="0" y="1353312"/>
+            <a:ext cx="6959600" cy="2120900"/>
           </a:xfrm>
           <a:prstGeom prst="rect">
             <a:avLst/>
@@ -6528,43 +6358,36 @@
           <a:lstStyle/>
           <a:p>
             <a:r>
-              <a:rPr dirty="0"/>
               <a:t> Define tools for specific tasks:</a:t>
             </a:r>
-            <a:endParaRPr lang="en-US" dirty="0"/>
-          </a:p>
-          <a:p>
-            <a:endParaRPr dirty="0"/>
-          </a:p>
-          <a:p>
-            <a:endParaRPr dirty="0"/>
-          </a:p>
-          <a:p>
-            <a:endParaRPr dirty="0"/>
-          </a:p>
-          <a:p>
-            <a:endParaRPr dirty="0"/>
-          </a:p>
-          <a:p>
-            <a:endParaRPr dirty="0"/>
-          </a:p>
-          <a:p>
-            <a:endParaRPr dirty="0"/>
-          </a:p>
-          <a:p>
-            <a:r>
-              <a:rPr b="1" dirty="0"/>
+          </a:p>
+          <a:p>
+            <a:endParaRPr/>
+          </a:p>
+          <a:p>
+            <a:endParaRPr/>
+          </a:p>
+          <a:p>
+            <a:endParaRPr/>
+          </a:p>
+          <a:p>
+            <a:endParaRPr/>
+          </a:p>
+          <a:p>
+            <a:endParaRPr/>
+          </a:p>
+          <a:p>
+            <a:r>
+              <a:rPr b="1"/>
               <a:t> Why tools matter</a:t>
             </a:r>
             <a:r>
-              <a:rPr dirty="0"/>
               <a:t> :</a:t>
             </a:r>
           </a:p>
           <a:p>
             <a:pPr lvl="1"/>
             <a:r>
-              <a:rPr dirty="0"/>
               <a:t> Tools encapsulate functionality for specific tasks, making workflows modular and reusable.</a:t>
             </a:r>
           </a:p>
@@ -6619,8 +6442,8 @@
         </p:blipFill>
         <p:spPr>
           <a:xfrm>
-            <a:off x="704088" y="1558131"/>
-            <a:ext cx="7735329" cy="2262219"/>
+            <a:off x="0" y="2167731"/>
+            <a:ext cx="9372600" cy="3454400"/>
           </a:xfrm>
           <a:prstGeom prst="rect">
             <a:avLst/>
@@ -6689,42 +6512,33 @@
           <a:lstStyle/>
           <a:p>
             <a:r>
-              <a:rPr dirty="0"/>
               <a:t> Implement a router for task delegation:</a:t>
             </a:r>
           </a:p>
           <a:p>
-            <a:endParaRPr dirty="0"/>
-          </a:p>
-          <a:p>
-            <a:endParaRPr lang="en-US" dirty="0"/>
-          </a:p>
-          <a:p>
-            <a:endParaRPr lang="en-US" dirty="0"/>
-          </a:p>
-          <a:p>
-            <a:endParaRPr dirty="0"/>
-          </a:p>
-          <a:p>
-            <a:endParaRPr dirty="0"/>
-          </a:p>
-          <a:p>
-            <a:endParaRPr dirty="0"/>
-          </a:p>
-          <a:p>
-            <a:r>
-              <a:rPr b="1" dirty="0"/>
+            <a:endParaRPr/>
+          </a:p>
+          <a:p>
+            <a:endParaRPr/>
+          </a:p>
+          <a:p>
+            <a:endParaRPr/>
+          </a:p>
+          <a:p>
+            <a:endParaRPr/>
+          </a:p>
+          <a:p>
+            <a:r>
+              <a:rPr b="1"/>
               <a:t> Key insight</a:t>
             </a:r>
             <a:r>
-              <a:rPr dirty="0"/>
               <a:t> :</a:t>
             </a:r>
           </a:p>
           <a:p>
             <a:pPr lvl="1"/>
             <a:r>
-              <a:rPr dirty="0"/>
               <a:t> Routing logic dynamically determines which tool to invoke based on user input, enabling flexible and adaptive workflows.</a:t>
             </a:r>
           </a:p>
@@ -6779,8 +6593,8 @@
         </p:blipFill>
         <p:spPr>
           <a:xfrm>
-            <a:off x="704088" y="1634331"/>
-            <a:ext cx="8097012" cy="2217961"/>
+            <a:off x="0" y="1353312"/>
+            <a:ext cx="10617200" cy="3187700"/>
           </a:xfrm>
           <a:prstGeom prst="rect">
             <a:avLst/>
@@ -7094,36 +6908,26 @@
           <a:lstStyle/>
           <a:p>
             <a:r>
-              <a:rPr dirty="0"/>
               <a:t> Import necessary libraries and configure API keys:</a:t>
             </a:r>
-            <a:endParaRPr lang="en-US" dirty="0"/>
-          </a:p>
-          <a:p>
-            <a:endParaRPr lang="en-US" dirty="0"/>
-          </a:p>
-          <a:p>
-            <a:endParaRPr dirty="0"/>
-          </a:p>
-          <a:p>
-            <a:endParaRPr dirty="0"/>
-          </a:p>
-          <a:p>
-            <a:pPr marL="0" indent="0">
-              <a:buNone/>
-            </a:pPr>
-            <a:endParaRPr dirty="0"/>
-          </a:p>
-          <a:p>
-            <a:r>
-              <a:rPr dirty="0"/>
+          </a:p>
+          <a:p>
+            <a:endParaRPr/>
+          </a:p>
+          <a:p>
+            <a:endParaRPr/>
+          </a:p>
+          <a:p>
+            <a:endParaRPr/>
+          </a:p>
+          <a:p>
+            <a:r>
               <a:t> Key Insight:</a:t>
             </a:r>
           </a:p>
           <a:p>
             <a:pPr lvl="1"/>
             <a:r>
-              <a:rPr dirty="0"/>
               <a:t> Proper setup ensures secure and seamless access to OpenAI’s powerful APIs.</a:t>
             </a:r>
           </a:p>
@@ -7178,8 +6982,8 @@
         </p:blipFill>
         <p:spPr>
           <a:xfrm>
-            <a:off x="704088" y="1558131"/>
-            <a:ext cx="8173212" cy="1291522"/>
+            <a:off x="0" y="1353312"/>
+            <a:ext cx="10769600" cy="1854200"/>
           </a:xfrm>
           <a:prstGeom prst="rect">
             <a:avLst/>
@@ -7371,37 +7175,30 @@
           <a:lstStyle/>
           <a:p>
             <a:r>
-              <a:rPr dirty="0"/>
               <a:t> Import necessary libraries:</a:t>
             </a:r>
-            <a:endParaRPr lang="en-US" dirty="0"/>
-          </a:p>
-          <a:p>
-            <a:endParaRPr dirty="0"/>
-          </a:p>
-          <a:p>
-            <a:endParaRPr dirty="0"/>
-          </a:p>
-          <a:p>
-            <a:endParaRPr dirty="0"/>
-          </a:p>
-          <a:p>
-            <a:endParaRPr dirty="0"/>
-          </a:p>
-          <a:p>
-            <a:r>
-              <a:rPr b="1" dirty="0"/>
+          </a:p>
+          <a:p>
+            <a:endParaRPr/>
+          </a:p>
+          <a:p>
+            <a:endParaRPr/>
+          </a:p>
+          <a:p>
+            <a:endParaRPr/>
+          </a:p>
+          <a:p>
+            <a:r>
+              <a:rPr b="1"/>
               <a:t> What this does</a:t>
             </a:r>
             <a:r>
-              <a:rPr dirty="0"/>
               <a:t> :</a:t>
             </a:r>
           </a:p>
           <a:p>
             <a:pPr lvl="1"/>
             <a:r>
-              <a:rPr dirty="0"/>
               <a:t> Prepares your environment for creating and managing conversational agents.</a:t>
             </a:r>
           </a:p>
@@ -7456,8 +7253,8 @@
         </p:blipFill>
         <p:spPr>
           <a:xfrm>
-            <a:off x="704088" y="1634331"/>
-            <a:ext cx="7886700" cy="1228858"/>
+            <a:off x="0" y="1353312"/>
+            <a:ext cx="10922000" cy="1854200"/>
           </a:xfrm>
           <a:prstGeom prst="rect">
             <a:avLst/>
@@ -7526,34 +7323,27 @@
           <a:lstStyle/>
           <a:p>
             <a:r>
-              <a:rPr dirty="0"/>
               <a:t> Set up the conversational model:</a:t>
             </a:r>
-            <a:endParaRPr lang="en-US" dirty="0"/>
-          </a:p>
-          <a:p>
-            <a:endParaRPr dirty="0"/>
-          </a:p>
-          <a:p>
-            <a:endParaRPr dirty="0"/>
-          </a:p>
-          <a:p>
-            <a:endParaRPr dirty="0"/>
-          </a:p>
-          <a:p>
-            <a:r>
-              <a:rPr b="1" dirty="0"/>
+          </a:p>
+          <a:p>
+            <a:endParaRPr/>
+          </a:p>
+          <a:p>
+            <a:endParaRPr/>
+          </a:p>
+          <a:p>
+            <a:r>
+              <a:rPr b="1"/>
               <a:t> Why this is important</a:t>
             </a:r>
             <a:r>
-              <a:rPr dirty="0"/>
               <a:t> :</a:t>
             </a:r>
           </a:p>
           <a:p>
             <a:pPr lvl="1"/>
             <a:r>
-              <a:rPr dirty="0"/>
               <a:t> Configuring the model ensures appropriate behavior, such as creativity and relevance, during conversations.</a:t>
             </a:r>
           </a:p>
@@ -7608,8 +7398,8 @@
         </p:blipFill>
         <p:spPr>
           <a:xfrm>
-            <a:off x="704088" y="1481931"/>
-            <a:ext cx="7716012" cy="1194737"/>
+            <a:off x="0" y="1353312"/>
+            <a:ext cx="7874000" cy="1320800"/>
           </a:xfrm>
           <a:prstGeom prst="rect">
             <a:avLst/>
@@ -7678,40 +7468,30 @@
           <a:lstStyle/>
           <a:p>
             <a:r>
-              <a:rPr dirty="0"/>
               <a:t> Example of a basic conversation flow:</a:t>
             </a:r>
-            <a:endParaRPr lang="en-US" dirty="0"/>
-          </a:p>
-          <a:p>
-            <a:endParaRPr lang="en-US" dirty="0"/>
-          </a:p>
-          <a:p>
-            <a:endParaRPr dirty="0"/>
-          </a:p>
-          <a:p>
-            <a:endParaRPr dirty="0"/>
-          </a:p>
-          <a:p>
-            <a:pPr marL="0" indent="0">
-              <a:buNone/>
-            </a:pPr>
-            <a:endParaRPr dirty="0"/>
-          </a:p>
-          <a:p>
-            <a:r>
-              <a:rPr b="1" dirty="0"/>
+          </a:p>
+          <a:p>
+            <a:endParaRPr/>
+          </a:p>
+          <a:p>
+            <a:endParaRPr/>
+          </a:p>
+          <a:p>
+            <a:endParaRPr/>
+          </a:p>
+          <a:p>
+            <a:r>
+              <a:rPr b="1"/>
               <a:t> What happens here</a:t>
             </a:r>
             <a:r>
-              <a:rPr dirty="0"/>
               <a:t> :</a:t>
             </a:r>
           </a:p>
           <a:p>
             <a:pPr lvl="1"/>
             <a:r>
-              <a:rPr dirty="0"/>
               <a:t> The model processes user input and generates appropriate responses, simulating a conversational interaction.</a:t>
             </a:r>
           </a:p>
@@ -7766,8 +7546,8 @@
         </p:blipFill>
         <p:spPr>
           <a:xfrm>
-            <a:off x="704088" y="1558131"/>
-            <a:ext cx="7944612" cy="1375029"/>
+            <a:off x="0" y="1353312"/>
+            <a:ext cx="11226800" cy="2120900"/>
           </a:xfrm>
           <a:prstGeom prst="rect">
             <a:avLst/>
@@ -7836,40 +7616,30 @@
           <a:lstStyle/>
           <a:p>
             <a:r>
-              <a:rPr dirty="0"/>
               <a:t> Add context to the conversation:</a:t>
             </a:r>
-            <a:endParaRPr lang="en-US" dirty="0"/>
-          </a:p>
-          <a:p>
-            <a:endParaRPr lang="en-US" dirty="0"/>
-          </a:p>
-          <a:p>
-            <a:endParaRPr dirty="0"/>
-          </a:p>
-          <a:p>
-            <a:endParaRPr dirty="0"/>
-          </a:p>
-          <a:p>
-            <a:pPr marL="0" indent="0">
-              <a:buNone/>
-            </a:pPr>
-            <a:endParaRPr dirty="0"/>
-          </a:p>
-          <a:p>
-            <a:r>
-              <a:rPr b="1" dirty="0"/>
+          </a:p>
+          <a:p>
+            <a:endParaRPr/>
+          </a:p>
+          <a:p>
+            <a:endParaRPr/>
+          </a:p>
+          <a:p>
+            <a:endParaRPr/>
+          </a:p>
+          <a:p>
+            <a:r>
+              <a:rPr b="1"/>
               <a:t> Why this matters</a:t>
             </a:r>
             <a:r>
-              <a:rPr dirty="0"/>
               <a:t> :</a:t>
             </a:r>
           </a:p>
           <a:p>
             <a:pPr lvl="1"/>
             <a:r>
-              <a:rPr dirty="0"/>
               <a:t> Including system messages guides the AI’s behavior, ensuring responses align with the intended role or tone.</a:t>
             </a:r>
           </a:p>
@@ -7924,8 +7694,8 @@
         </p:blipFill>
         <p:spPr>
           <a:xfrm>
-            <a:off x="704088" y="1481931"/>
-            <a:ext cx="8249412" cy="1577700"/>
+            <a:off x="0" y="1353312"/>
+            <a:ext cx="10160000" cy="2120900"/>
           </a:xfrm>
           <a:prstGeom prst="rect">
             <a:avLst/>
@@ -7994,61 +7764,50 @@
           <a:lstStyle/>
           <a:p>
             <a:r>
-              <a:rPr dirty="0"/>
               <a:t> Define a function for the conversational agent:</a:t>
             </a:r>
-            <a:endParaRPr lang="en-US" dirty="0"/>
-          </a:p>
-          <a:p>
-            <a:endParaRPr dirty="0"/>
-          </a:p>
-          <a:p>
-            <a:endParaRPr dirty="0"/>
-          </a:p>
-          <a:p>
-            <a:endParaRPr dirty="0"/>
-          </a:p>
-          <a:p>
-            <a:endParaRPr dirty="0"/>
-          </a:p>
-          <a:p>
-            <a:pPr marL="0" indent="0">
-              <a:buNone/>
-            </a:pPr>
-            <a:endParaRPr lang="en-US" dirty="0"/>
-          </a:p>
-          <a:p>
-            <a:r>
-              <a:rPr dirty="0"/>
-              <a:t>Call the function during a conversation:</a:t>
-            </a:r>
-          </a:p>
-          <a:p>
-            <a:endParaRPr lang="en-US" dirty="0"/>
-          </a:p>
-          <a:p>
-            <a:endParaRPr dirty="0"/>
-          </a:p>
-          <a:p>
-            <a:endParaRPr dirty="0"/>
-          </a:p>
-          <a:p>
-            <a:endParaRPr dirty="0"/>
-          </a:p>
-          <a:p>
-            <a:r>
-              <a:rPr b="1" dirty="0"/>
+          </a:p>
+          <a:p>
+            <a:endParaRPr/>
+          </a:p>
+          <a:p>
+            <a:endParaRPr/>
+          </a:p>
+          <a:p>
+            <a:endParaRPr/>
+          </a:p>
+          <a:p>
+            <a:endParaRPr/>
+          </a:p>
+          <a:p>
+            <a:endParaRPr/>
+          </a:p>
+          <a:p>
+            <a:r>
+              <a:t> Call the function during a conversation:</a:t>
+            </a:r>
+          </a:p>
+          <a:p>
+            <a:endParaRPr/>
+          </a:p>
+          <a:p>
+            <a:endParaRPr/>
+          </a:p>
+          <a:p>
+            <a:endParaRPr/>
+          </a:p>
+          <a:p>
+            <a:r>
+              <a:rPr b="1"/>
               <a:t> Key Insight</a:t>
             </a:r>
             <a:r>
-              <a:rPr dirty="0"/>
               <a:t> :</a:t>
             </a:r>
           </a:p>
           <a:p>
             <a:pPr lvl="1"/>
             <a:r>
-              <a:rPr dirty="0"/>
               <a:t> Function calling adds dynamic capabilities, enabling the conversational agent to perform tasks or fetch data beyond static responses.</a:t>
             </a:r>
           </a:p>
@@ -8103,8 +7862,8 @@
         </p:blipFill>
         <p:spPr>
           <a:xfrm>
-            <a:off x="704088" y="1501481"/>
-            <a:ext cx="8173212" cy="2125035"/>
+            <a:off x="0" y="1353312"/>
+            <a:ext cx="8915400" cy="2544941"/>
           </a:xfrm>
           <a:prstGeom prst="rect">
             <a:avLst/>
@@ -8127,8 +7886,8 @@
         </p:blipFill>
         <p:spPr>
           <a:xfrm>
-            <a:off x="704088" y="4301331"/>
-            <a:ext cx="6877812" cy="1187663"/>
+            <a:off x="0" y="3986783"/>
+            <a:ext cx="9855200" cy="1854200"/>
           </a:xfrm>
           <a:prstGeom prst="rect">
             <a:avLst/>
@@ -8324,42 +8083,29 @@
           <a:lstStyle/>
           <a:p>
             <a:r>
-              <a:rPr dirty="0"/>
               <a:t> Create a function to simulate weather retrieval:</a:t>
             </a:r>
-            <a:endParaRPr lang="en-US" dirty="0"/>
-          </a:p>
-          <a:p>
-            <a:endParaRPr lang="en-US" dirty="0"/>
-          </a:p>
-          <a:p>
-            <a:endParaRPr lang="en-US" dirty="0"/>
-          </a:p>
-          <a:p>
-            <a:endParaRPr dirty="0"/>
-          </a:p>
-          <a:p>
-            <a:endParaRPr dirty="0"/>
-          </a:p>
-          <a:p>
-            <a:endParaRPr dirty="0"/>
-          </a:p>
-          <a:p>
-            <a:endParaRPr dirty="0"/>
-          </a:p>
-          <a:p>
-            <a:endParaRPr dirty="0"/>
-          </a:p>
-          <a:p>
-            <a:r>
-              <a:rPr dirty="0"/>
+          </a:p>
+          <a:p>
+            <a:endParaRPr/>
+          </a:p>
+          <a:p>
+            <a:endParaRPr/>
+          </a:p>
+          <a:p>
+            <a:endParaRPr/>
+          </a:p>
+          <a:p>
+            <a:endParaRPr/>
+          </a:p>
+          <a:p>
+            <a:r>
               <a:t> Why define custom functions:</a:t>
             </a:r>
           </a:p>
           <a:p>
             <a:pPr lvl="1"/>
             <a:r>
-              <a:rPr dirty="0"/>
               <a:t> Custom functions extend the capabilities of AI by integrating domain-specific logic.</a:t>
             </a:r>
           </a:p>
@@ -8414,8 +8160,8 @@
         </p:blipFill>
         <p:spPr>
           <a:xfrm>
-            <a:off x="704088" y="1547005"/>
-            <a:ext cx="7769578" cy="2571146"/>
+            <a:off x="0" y="1353312"/>
+            <a:ext cx="8788400" cy="3187700"/>
           </a:xfrm>
           <a:prstGeom prst="rect">
             <a:avLst/>
@@ -8484,48 +8230,35 @@
           <a:lstStyle/>
           <a:p>
             <a:r>
-              <a:rPr dirty="0"/>
               <a:t> Define the function’s schema for OpenAI:</a:t>
             </a:r>
-            <a:endParaRPr lang="en-US" dirty="0"/>
-          </a:p>
-          <a:p>
-            <a:endParaRPr lang="en-US" dirty="0"/>
-          </a:p>
-          <a:p>
-            <a:endParaRPr lang="en-US" dirty="0"/>
-          </a:p>
-          <a:p>
-            <a:endParaRPr dirty="0"/>
-          </a:p>
-          <a:p>
-            <a:endParaRPr dirty="0"/>
-          </a:p>
-          <a:p>
-            <a:endParaRPr dirty="0"/>
-          </a:p>
-          <a:p>
-            <a:endParaRPr dirty="0"/>
-          </a:p>
-          <a:p>
-            <a:endParaRPr dirty="0"/>
-          </a:p>
-          <a:p>
-            <a:pPr marL="0" indent="0">
-              <a:buNone/>
-            </a:pPr>
-            <a:endParaRPr dirty="0"/>
-          </a:p>
-          <a:p>
-            <a:r>
-              <a:rPr dirty="0"/>
+          </a:p>
+          <a:p>
+            <a:endParaRPr/>
+          </a:p>
+          <a:p>
+            <a:endParaRPr/>
+          </a:p>
+          <a:p>
+            <a:endParaRPr/>
+          </a:p>
+          <a:p>
+            <a:endParaRPr/>
+          </a:p>
+          <a:p>
+            <a:endParaRPr/>
+          </a:p>
+          <a:p>
+            <a:endParaRPr/>
+          </a:p>
+          <a:p>
+            <a:r>
               <a:t> Why this is important:</a:t>
             </a:r>
           </a:p>
           <a:p>
             <a:pPr lvl="1"/>
             <a:r>
-              <a:rPr dirty="0"/>
               <a:t> Function schemas define how the AI can interact with your functions, ensuring proper input and output handling.</a:t>
             </a:r>
           </a:p>
@@ -8580,8 +8313,8 @@
         </p:blipFill>
         <p:spPr>
           <a:xfrm>
-            <a:off x="704088" y="1634331"/>
-            <a:ext cx="7948845" cy="2936206"/>
+            <a:off x="0" y="1353312"/>
+            <a:ext cx="8915400" cy="3620744"/>
           </a:xfrm>
           <a:prstGeom prst="rect">
             <a:avLst/>
@@ -8710,8 +8443,8 @@
         </p:blipFill>
         <p:spPr>
           <a:xfrm>
-            <a:off x="704088" y="1558131"/>
-            <a:ext cx="8173212" cy="1174593"/>
+            <a:off x="0" y="1353312"/>
+            <a:ext cx="8483600" cy="1320800"/>
           </a:xfrm>
           <a:prstGeom prst="rect">
             <a:avLst/>
@@ -8780,36 +8513,26 @@
           <a:lstStyle/>
           <a:p>
             <a:r>
-              <a:rPr dirty="0"/>
               <a:t> Send the message and function schema to OpenAI:</a:t>
             </a:r>
-            <a:endParaRPr lang="en-US" dirty="0"/>
-          </a:p>
-          <a:p>
-            <a:endParaRPr lang="en-US" dirty="0"/>
-          </a:p>
-          <a:p>
-            <a:endParaRPr dirty="0"/>
-          </a:p>
-          <a:p>
-            <a:endParaRPr dirty="0"/>
-          </a:p>
-          <a:p>
-            <a:endParaRPr dirty="0"/>
-          </a:p>
-          <a:p>
-            <a:endParaRPr dirty="0"/>
-          </a:p>
-          <a:p>
-            <a:r>
-              <a:rPr dirty="0"/>
+          </a:p>
+          <a:p>
+            <a:endParaRPr/>
+          </a:p>
+          <a:p>
+            <a:endParaRPr/>
+          </a:p>
+          <a:p>
+            <a:endParaRPr/>
+          </a:p>
+          <a:p>
+            <a:r>
               <a:t> Why this matters:</a:t>
             </a:r>
           </a:p>
           <a:p>
             <a:pPr lvl="1"/>
             <a:r>
-              <a:rPr dirty="0"/>
               <a:t> Sending both user input and function schemas allows the AI to choose whether to call the function for additional information.</a:t>
             </a:r>
           </a:p>
@@ -8864,8 +8587,8 @@
         </p:blipFill>
         <p:spPr>
           <a:xfrm>
-            <a:off x="704088" y="1558131"/>
-            <a:ext cx="6807200" cy="1701800"/>
+            <a:off x="0" y="1353312"/>
+            <a:ext cx="6807200" cy="1854200"/>
           </a:xfrm>
           <a:prstGeom prst="rect">
             <a:avLst/>
@@ -8934,30 +8657,23 @@
           <a:lstStyle/>
           <a:p>
             <a:r>
-              <a:rPr dirty="0"/>
               <a:t> Extract and execute the function call:</a:t>
             </a:r>
-            <a:endParaRPr lang="en-US" dirty="0"/>
-          </a:p>
-          <a:p>
-            <a:endParaRPr dirty="0"/>
-          </a:p>
-          <a:p>
-            <a:endParaRPr dirty="0"/>
-          </a:p>
-          <a:p>
-            <a:endParaRPr dirty="0"/>
-          </a:p>
-          <a:p>
-            <a:r>
-              <a:rPr dirty="0"/>
+          </a:p>
+          <a:p>
+            <a:endParaRPr/>
+          </a:p>
+          <a:p>
+            <a:endParaRPr/>
+          </a:p>
+          <a:p>
+            <a:r>
               <a:t> Key Insight:</a:t>
             </a:r>
           </a:p>
           <a:p>
             <a:pPr lvl="1"/>
             <a:r>
-              <a:rPr dirty="0"/>
               <a:t> Handling function calls programmatically enables seamless integration of AI-generated logic with external systems.</a:t>
             </a:r>
           </a:p>
@@ -9012,8 +8728,8 @@
         </p:blipFill>
         <p:spPr>
           <a:xfrm>
-            <a:off x="704088" y="1558131"/>
-            <a:ext cx="8097012" cy="842527"/>
+            <a:off x="0" y="1353312"/>
+            <a:ext cx="9398000" cy="1054100"/>
           </a:xfrm>
           <a:prstGeom prst="rect">
             <a:avLst/>
